--- a/开题/大规模数据并行图处理算法与计算平台研究.pptx
+++ b/开题/大规模数据并行图处理算法与计算平台研究.pptx
@@ -649,11 +649,11 @@
         </c:dLbls>
         <c:gapWidth val="219"/>
         <c:overlap val="-27"/>
-        <c:axId val="472899944"/>
-        <c:axId val="472899160"/>
+        <c:axId val="294406496"/>
+        <c:axId val="294406888"/>
       </c:barChart>
       <c:catAx>
-        <c:axId val="472899944"/>
+        <c:axId val="294406496"/>
         <c:scaling>
           <c:orientation val="minMax"/>
         </c:scaling>
@@ -696,7 +696,7 @@
             <a:endParaRPr lang="zh-CN"/>
           </a:p>
         </c:txPr>
-        <c:crossAx val="472899160"/>
+        <c:crossAx val="294406888"/>
         <c:crosses val="autoZero"/>
         <c:auto val="1"/>
         <c:lblAlgn val="ctr"/>
@@ -704,7 +704,7 @@
         <c:noMultiLvlLbl val="0"/>
       </c:catAx>
       <c:valAx>
-        <c:axId val="472899160"/>
+        <c:axId val="294406888"/>
         <c:scaling>
           <c:orientation val="minMax"/>
           <c:max val="700"/>
@@ -756,7 +756,7 @@
             <a:endParaRPr lang="zh-CN"/>
           </a:p>
         </c:txPr>
-        <c:crossAx val="472899944"/>
+        <c:crossAx val="294406496"/>
         <c:crosses val="autoZero"/>
         <c:crossBetween val="between"/>
       </c:valAx>
@@ -1028,11 +1028,11 @@
         </c:dLbls>
         <c:gapWidth val="219"/>
         <c:overlap val="-27"/>
-        <c:axId val="315214936"/>
-        <c:axId val="315973272"/>
+        <c:axId val="294407672"/>
+        <c:axId val="294408064"/>
       </c:barChart>
       <c:catAx>
-        <c:axId val="315214936"/>
+        <c:axId val="294407672"/>
         <c:scaling>
           <c:orientation val="minMax"/>
         </c:scaling>
@@ -1075,7 +1075,7 @@
             <a:endParaRPr lang="zh-CN"/>
           </a:p>
         </c:txPr>
-        <c:crossAx val="315973272"/>
+        <c:crossAx val="294408064"/>
         <c:crosses val="autoZero"/>
         <c:auto val="1"/>
         <c:lblAlgn val="ctr"/>
@@ -1083,7 +1083,7 @@
         <c:noMultiLvlLbl val="0"/>
       </c:catAx>
       <c:valAx>
-        <c:axId val="315973272"/>
+        <c:axId val="294408064"/>
         <c:scaling>
           <c:orientation val="minMax"/>
         </c:scaling>
@@ -1134,7 +1134,7 @@
             <a:endParaRPr lang="zh-CN"/>
           </a:p>
         </c:txPr>
-        <c:crossAx val="315214936"/>
+        <c:crossAx val="294407672"/>
         <c:crosses val="autoZero"/>
         <c:crossBetween val="between"/>
       </c:valAx>
@@ -2341,7 +2341,7 @@
           <a:p>
             <a:fld id="{EB53EE25-CB3D-4612-9E2C-BF55B60CC587}" type="datetimeFigureOut">
               <a:rPr lang="zh-CN" altLang="en-US" smtClean="0"/>
-              <a:t>2015/3/17</a:t>
+              <a:t>2015/3/18</a:t>
             </a:fld>
             <a:endParaRPr lang="zh-CN" altLang="en-US"/>
           </a:p>
@@ -2674,6 +2674,174 @@
           <a:p>
             <a:fld id="{E9451869-EFA0-4D90-852E-354748100002}" type="slidenum">
               <a:rPr lang="zh-CN" altLang="en-US" smtClean="0"/>
+              <a:t>4</a:t>
+            </a:fld>
+            <a:endParaRPr lang="zh-CN" altLang="en-US"/>
+          </a:p>
+        </p:txBody>
+      </p:sp>
+    </p:spTree>
+    <p:extLst>
+      <p:ext uri="{BB962C8B-B14F-4D97-AF65-F5344CB8AC3E}">
+        <p14:creationId xmlns:p14="http://schemas.microsoft.com/office/powerpoint/2010/main" val="440966716"/>
+      </p:ext>
+    </p:extLst>
+  </p:cSld>
+  <p:clrMapOvr>
+    <a:masterClrMapping/>
+  </p:clrMapOvr>
+</p:notes>
+</file>
+
+<file path=ppt/notesSlides/notesSlide2.xml><?xml version="1.0" encoding="utf-8"?>
+<p:notes xmlns:a="http://schemas.openxmlformats.org/drawingml/2006/main" xmlns:r="http://schemas.openxmlformats.org/officeDocument/2006/relationships" xmlns:p="http://schemas.openxmlformats.org/presentationml/2006/main">
+  <p:cSld>
+    <p:spTree>
+      <p:nvGrpSpPr>
+        <p:cNvPr id="1" name=""/>
+        <p:cNvGrpSpPr/>
+        <p:nvPr/>
+      </p:nvGrpSpPr>
+      <p:grpSpPr>
+        <a:xfrm>
+          <a:off x="0" y="0"/>
+          <a:ext cx="0" cy="0"/>
+          <a:chOff x="0" y="0"/>
+          <a:chExt cx="0" cy="0"/>
+        </a:xfrm>
+      </p:grpSpPr>
+      <p:sp>
+        <p:nvSpPr>
+          <p:cNvPr id="2" name="幻灯片图像占位符 1"/>
+          <p:cNvSpPr>
+            <a:spLocks noGrp="1" noRot="1" noChangeAspect="1"/>
+          </p:cNvSpPr>
+          <p:nvPr>
+            <p:ph type="sldImg"/>
+          </p:nvPr>
+        </p:nvSpPr>
+        <p:spPr/>
+      </p:sp>
+      <p:sp>
+        <p:nvSpPr>
+          <p:cNvPr id="3" name="备注占位符 2"/>
+          <p:cNvSpPr>
+            <a:spLocks noGrp="1"/>
+          </p:cNvSpPr>
+          <p:nvPr>
+            <p:ph type="body" idx="1"/>
+          </p:nvPr>
+        </p:nvSpPr>
+        <p:spPr/>
+        <p:txBody>
+          <a:bodyPr/>
+          <a:lstStyle/>
+          <a:p>
+            <a:endParaRPr lang="zh-CN" altLang="en-US" dirty="0"/>
+          </a:p>
+        </p:txBody>
+      </p:sp>
+      <p:sp>
+        <p:nvSpPr>
+          <p:cNvPr id="4" name="灯片编号占位符 3"/>
+          <p:cNvSpPr>
+            <a:spLocks noGrp="1"/>
+          </p:cNvSpPr>
+          <p:nvPr>
+            <p:ph type="sldNum" sz="quarter" idx="10"/>
+          </p:nvPr>
+        </p:nvSpPr>
+        <p:spPr/>
+        <p:txBody>
+          <a:bodyPr/>
+          <a:lstStyle/>
+          <a:p>
+            <a:fld id="{E9451869-EFA0-4D90-852E-354748100002}" type="slidenum">
+              <a:rPr lang="zh-CN" altLang="en-US" smtClean="0"/>
+              <a:t>8</a:t>
+            </a:fld>
+            <a:endParaRPr lang="zh-CN" altLang="en-US"/>
+          </a:p>
+        </p:txBody>
+      </p:sp>
+    </p:spTree>
+    <p:extLst>
+      <p:ext uri="{BB962C8B-B14F-4D97-AF65-F5344CB8AC3E}">
+        <p14:creationId xmlns:p14="http://schemas.microsoft.com/office/powerpoint/2010/main" val="815407101"/>
+      </p:ext>
+    </p:extLst>
+  </p:cSld>
+  <p:clrMapOvr>
+    <a:masterClrMapping/>
+  </p:clrMapOvr>
+</p:notes>
+</file>
+
+<file path=ppt/notesSlides/notesSlide3.xml><?xml version="1.0" encoding="utf-8"?>
+<p:notes xmlns:a="http://schemas.openxmlformats.org/drawingml/2006/main" xmlns:r="http://schemas.openxmlformats.org/officeDocument/2006/relationships" xmlns:p="http://schemas.openxmlformats.org/presentationml/2006/main">
+  <p:cSld>
+    <p:spTree>
+      <p:nvGrpSpPr>
+        <p:cNvPr id="1" name=""/>
+        <p:cNvGrpSpPr/>
+        <p:nvPr/>
+      </p:nvGrpSpPr>
+      <p:grpSpPr>
+        <a:xfrm>
+          <a:off x="0" y="0"/>
+          <a:ext cx="0" cy="0"/>
+          <a:chOff x="0" y="0"/>
+          <a:chExt cx="0" cy="0"/>
+        </a:xfrm>
+      </p:grpSpPr>
+      <p:sp>
+        <p:nvSpPr>
+          <p:cNvPr id="2" name="幻灯片图像占位符 1"/>
+          <p:cNvSpPr>
+            <a:spLocks noGrp="1" noRot="1" noChangeAspect="1"/>
+          </p:cNvSpPr>
+          <p:nvPr>
+            <p:ph type="sldImg"/>
+          </p:nvPr>
+        </p:nvSpPr>
+        <p:spPr/>
+      </p:sp>
+      <p:sp>
+        <p:nvSpPr>
+          <p:cNvPr id="3" name="备注占位符 2"/>
+          <p:cNvSpPr>
+            <a:spLocks noGrp="1"/>
+          </p:cNvSpPr>
+          <p:nvPr>
+            <p:ph type="body" idx="1"/>
+          </p:nvPr>
+        </p:nvSpPr>
+        <p:spPr/>
+        <p:txBody>
+          <a:bodyPr/>
+          <a:lstStyle/>
+          <a:p>
+            <a:endParaRPr lang="zh-CN" altLang="en-US" dirty="0"/>
+          </a:p>
+        </p:txBody>
+      </p:sp>
+      <p:sp>
+        <p:nvSpPr>
+          <p:cNvPr id="4" name="灯片编号占位符 3"/>
+          <p:cNvSpPr>
+            <a:spLocks noGrp="1"/>
+          </p:cNvSpPr>
+          <p:nvPr>
+            <p:ph type="sldNum" sz="quarter" idx="10"/>
+          </p:nvPr>
+        </p:nvSpPr>
+        <p:spPr/>
+        <p:txBody>
+          <a:bodyPr/>
+          <a:lstStyle/>
+          <a:p>
+            <a:fld id="{E9451869-EFA0-4D90-852E-354748100002}" type="slidenum">
+              <a:rPr lang="zh-CN" altLang="en-US" smtClean="0"/>
               <a:t>13</a:t>
             </a:fld>
             <a:endParaRPr lang="zh-CN" altLang="en-US"/>
@@ -2693,7 +2861,7 @@
 </p:notes>
 </file>
 
-<file path=ppt/notesSlides/notesSlide2.xml><?xml version="1.0" encoding="utf-8"?>
+<file path=ppt/notesSlides/notesSlide4.xml><?xml version="1.0" encoding="utf-8"?>
 <p:notes xmlns:a="http://schemas.openxmlformats.org/drawingml/2006/main" xmlns:r="http://schemas.openxmlformats.org/officeDocument/2006/relationships" xmlns:p="http://schemas.openxmlformats.org/presentationml/2006/main">
   <p:cSld>
     <p:spTree>
@@ -3540,7 +3708,7 @@
           <a:p>
             <a:fld id="{96E16201-B546-483D-A7A1-5AE5DE16E15D}" type="datetimeFigureOut">
               <a:rPr lang="zh-CN" altLang="en-US" smtClean="0"/>
-              <a:t>2015/3/17</a:t>
+              <a:t>2015/3/18</a:t>
             </a:fld>
             <a:endParaRPr lang="zh-CN" altLang="en-US"/>
           </a:p>
@@ -3791,7 +3959,7 @@
           <a:p>
             <a:fld id="{96E16201-B546-483D-A7A1-5AE5DE16E15D}" type="datetimeFigureOut">
               <a:rPr lang="zh-CN" altLang="en-US" smtClean="0"/>
-              <a:t>2015/3/17</a:t>
+              <a:t>2015/3/18</a:t>
             </a:fld>
             <a:endParaRPr lang="zh-CN" altLang="en-US"/>
           </a:p>
@@ -4105,7 +4273,7 @@
           <a:p>
             <a:fld id="{96E16201-B546-483D-A7A1-5AE5DE16E15D}" type="datetimeFigureOut">
               <a:rPr lang="zh-CN" altLang="en-US" smtClean="0"/>
-              <a:t>2015/3/17</a:t>
+              <a:t>2015/3/18</a:t>
             </a:fld>
             <a:endParaRPr lang="zh-CN" altLang="en-US"/>
           </a:p>
@@ -4446,7 +4614,7 @@
           <a:p>
             <a:fld id="{96E16201-B546-483D-A7A1-5AE5DE16E15D}" type="datetimeFigureOut">
               <a:rPr lang="zh-CN" altLang="en-US" smtClean="0"/>
-              <a:t>2015/3/17</a:t>
+              <a:t>2015/3/18</a:t>
             </a:fld>
             <a:endParaRPr lang="zh-CN" altLang="en-US"/>
           </a:p>
@@ -4760,7 +4928,7 @@
           <a:p>
             <a:fld id="{96E16201-B546-483D-A7A1-5AE5DE16E15D}" type="datetimeFigureOut">
               <a:rPr lang="zh-CN" altLang="en-US" smtClean="0"/>
-              <a:t>2015/3/17</a:t>
+              <a:t>2015/3/18</a:t>
             </a:fld>
             <a:endParaRPr lang="zh-CN" altLang="en-US"/>
           </a:p>
@@ -5153,7 +5321,7 @@
           <a:p>
             <a:fld id="{96E16201-B546-483D-A7A1-5AE5DE16E15D}" type="datetimeFigureOut">
               <a:rPr lang="zh-CN" altLang="en-US" smtClean="0"/>
-              <a:t>2015/3/17</a:t>
+              <a:t>2015/3/18</a:t>
             </a:fld>
             <a:endParaRPr lang="zh-CN" altLang="en-US"/>
           </a:p>
@@ -5323,7 +5491,7 @@
           <a:p>
             <a:fld id="{96E16201-B546-483D-A7A1-5AE5DE16E15D}" type="datetimeFigureOut">
               <a:rPr lang="zh-CN" altLang="en-US" smtClean="0"/>
-              <a:t>2015/3/17</a:t>
+              <a:t>2015/3/18</a:t>
             </a:fld>
             <a:endParaRPr lang="zh-CN" altLang="en-US"/>
           </a:p>
@@ -5503,7 +5671,7 @@
           <a:p>
             <a:fld id="{96E16201-B546-483D-A7A1-5AE5DE16E15D}" type="datetimeFigureOut">
               <a:rPr lang="zh-CN" altLang="en-US" smtClean="0"/>
-              <a:t>2015/3/17</a:t>
+              <a:t>2015/3/18</a:t>
             </a:fld>
             <a:endParaRPr lang="zh-CN" altLang="en-US"/>
           </a:p>
@@ -5679,7 +5847,7 @@
           <a:p>
             <a:fld id="{96E16201-B546-483D-A7A1-5AE5DE16E15D}" type="datetimeFigureOut">
               <a:rPr lang="zh-CN" altLang="en-US" smtClean="0"/>
-              <a:t>2015/3/17</a:t>
+              <a:t>2015/3/18</a:t>
             </a:fld>
             <a:endParaRPr lang="zh-CN" altLang="en-US"/>
           </a:p>
@@ -5926,7 +6094,7 @@
           <a:p>
             <a:fld id="{96E16201-B546-483D-A7A1-5AE5DE16E15D}" type="datetimeFigureOut">
               <a:rPr lang="zh-CN" altLang="en-US" smtClean="0"/>
-              <a:t>2015/3/17</a:t>
+              <a:t>2015/3/18</a:t>
             </a:fld>
             <a:endParaRPr lang="zh-CN" altLang="en-US"/>
           </a:p>
@@ -6158,7 +6326,7 @@
           <a:p>
             <a:fld id="{96E16201-B546-483D-A7A1-5AE5DE16E15D}" type="datetimeFigureOut">
               <a:rPr lang="zh-CN" altLang="en-US" smtClean="0"/>
-              <a:t>2015/3/17</a:t>
+              <a:t>2015/3/18</a:t>
             </a:fld>
             <a:endParaRPr lang="zh-CN" altLang="en-US"/>
           </a:p>
@@ -6532,7 +6700,7 @@
           <a:p>
             <a:fld id="{96E16201-B546-483D-A7A1-5AE5DE16E15D}" type="datetimeFigureOut">
               <a:rPr lang="zh-CN" altLang="en-US" smtClean="0"/>
-              <a:t>2015/3/17</a:t>
+              <a:t>2015/3/18</a:t>
             </a:fld>
             <a:endParaRPr lang="zh-CN" altLang="en-US"/>
           </a:p>
@@ -6655,7 +6823,7 @@
           <a:p>
             <a:fld id="{96E16201-B546-483D-A7A1-5AE5DE16E15D}" type="datetimeFigureOut">
               <a:rPr lang="zh-CN" altLang="en-US" smtClean="0"/>
-              <a:t>2015/3/17</a:t>
+              <a:t>2015/3/18</a:t>
             </a:fld>
             <a:endParaRPr lang="zh-CN" altLang="en-US"/>
           </a:p>
@@ -6750,7 +6918,7 @@
           <a:p>
             <a:fld id="{96E16201-B546-483D-A7A1-5AE5DE16E15D}" type="datetimeFigureOut">
               <a:rPr lang="zh-CN" altLang="en-US" smtClean="0"/>
-              <a:t>2015/3/17</a:t>
+              <a:t>2015/3/18</a:t>
             </a:fld>
             <a:endParaRPr lang="zh-CN" altLang="en-US"/>
           </a:p>
@@ -7005,7 +7173,7 @@
           <a:p>
             <a:fld id="{96E16201-B546-483D-A7A1-5AE5DE16E15D}" type="datetimeFigureOut">
               <a:rPr lang="zh-CN" altLang="en-US" smtClean="0"/>
-              <a:t>2015/3/17</a:t>
+              <a:t>2015/3/18</a:t>
             </a:fld>
             <a:endParaRPr lang="zh-CN" altLang="en-US"/>
           </a:p>
@@ -7268,7 +7436,7 @@
           <a:p>
             <a:fld id="{96E16201-B546-483D-A7A1-5AE5DE16E15D}" type="datetimeFigureOut">
               <a:rPr lang="zh-CN" altLang="en-US" smtClean="0"/>
-              <a:t>2015/3/17</a:t>
+              <a:t>2015/3/18</a:t>
             </a:fld>
             <a:endParaRPr lang="zh-CN" altLang="en-US"/>
           </a:p>
@@ -8011,7 +8179,7 @@
           <a:p>
             <a:fld id="{96E16201-B546-483D-A7A1-5AE5DE16E15D}" type="datetimeFigureOut">
               <a:rPr lang="zh-CN" altLang="en-US" smtClean="0"/>
-              <a:t>2015/3/17</a:t>
+              <a:t>2015/3/18</a:t>
             </a:fld>
             <a:endParaRPr lang="zh-CN" altLang="en-US"/>
           </a:p>
@@ -9243,8 +9411,8 @@
         </p:nvGrpSpPr>
         <p:grpSpPr>
           <a:xfrm>
-            <a:off x="4389120" y="1326789"/>
-            <a:ext cx="2246812" cy="1113619"/>
+            <a:off x="4389119" y="1326789"/>
+            <a:ext cx="2522957" cy="1113619"/>
             <a:chOff x="4153988" y="2728868"/>
             <a:chExt cx="2246812" cy="1113619"/>
           </a:xfrm>
@@ -10142,8 +10310,8 @@
         </p:nvCxnSpPr>
         <p:spPr>
           <a:xfrm rot="5400000">
-            <a:off x="2769241" y="683539"/>
-            <a:ext cx="986416" cy="4500155"/>
+            <a:off x="2838277" y="614503"/>
+            <a:ext cx="986416" cy="4638227"/>
           </a:xfrm>
           <a:prstGeom prst="curvedConnector3">
             <a:avLst>
@@ -10180,8 +10348,8 @@
         </p:nvCxnSpPr>
         <p:spPr>
           <a:xfrm rot="5400000">
-            <a:off x="3940733" y="1850299"/>
-            <a:ext cx="981684" cy="2161902"/>
+            <a:off x="4009769" y="1781263"/>
+            <a:ext cx="981684" cy="2299974"/>
           </a:xfrm>
           <a:prstGeom prst="curvedConnector3">
             <a:avLst/>
@@ -10216,8 +10384,8 @@
         </p:nvCxnSpPr>
         <p:spPr>
           <a:xfrm rot="16200000" flipH="1">
-            <a:off x="5113219" y="2839715"/>
-            <a:ext cx="970611" cy="171996"/>
+            <a:off x="5182255" y="2908751"/>
+            <a:ext cx="970611" cy="33924"/>
           </a:xfrm>
           <a:prstGeom prst="curvedConnector3">
             <a:avLst/>
@@ -10252,8 +10420,8 @@
         </p:nvCxnSpPr>
         <p:spPr>
           <a:xfrm rot="16200000" flipH="1">
-            <a:off x="6247510" y="1705423"/>
-            <a:ext cx="970611" cy="2440579"/>
+            <a:off x="6316546" y="1774459"/>
+            <a:ext cx="970611" cy="2302507"/>
           </a:xfrm>
           <a:prstGeom prst="curvedConnector3">
             <a:avLst/>
@@ -10288,8 +10456,8 @@
         </p:nvCxnSpPr>
         <p:spPr>
           <a:xfrm rot="16200000" flipH="1">
-            <a:off x="7376265" y="576669"/>
-            <a:ext cx="981684" cy="4709162"/>
+            <a:off x="7445301" y="645705"/>
+            <a:ext cx="981684" cy="4571090"/>
           </a:xfrm>
           <a:prstGeom prst="curvedConnector3">
             <a:avLst/>
@@ -10324,12 +10492,12 @@
         </p:nvCxnSpPr>
         <p:spPr>
           <a:xfrm rot="16200000" flipH="1">
-            <a:off x="7925839" y="27094"/>
-            <a:ext cx="1351016" cy="6177643"/>
+            <a:off x="7994875" y="96130"/>
+            <a:ext cx="1351016" cy="6039571"/>
           </a:xfrm>
           <a:prstGeom prst="curvedConnector3">
             <a:avLst>
-              <a:gd name="adj1" fmla="val 24861"/>
+              <a:gd name="adj1" fmla="val 50000"/>
             </a:avLst>
           </a:prstGeom>
           <a:ln>
@@ -10423,20 +10591,20 @@
           <p:nvPr>
             <p:extLst>
               <p:ext uri="{D42A27DB-BD31-4B8C-83A1-F6EECF244321}">
-                <p14:modId xmlns:p14="http://schemas.microsoft.com/office/powerpoint/2010/main" val="1828913337"/>
+                <p14:modId xmlns:p14="http://schemas.microsoft.com/office/powerpoint/2010/main" val="1269043399"/>
               </p:ext>
             </p:extLst>
           </p:nvPr>
         </p:nvGraphicFramePr>
         <p:xfrm>
-          <a:off x="724762" y="5231108"/>
+          <a:off x="682306" y="5713711"/>
           <a:ext cx="3706813" cy="493712"/>
         </p:xfrm>
         <a:graphic>
           <a:graphicData uri="http://schemas.openxmlformats.org/presentationml/2006/ole">
             <mc:AlternateContent xmlns:mc="http://schemas.openxmlformats.org/markup-compatibility/2006">
               <mc:Choice xmlns:v="urn:schemas-microsoft-com:vml" Requires="v">
-                <p:oleObj spid="_x0000_s1049" name="Equation" r:id="rId3" imgW="1726920" imgH="228600" progId="Equation.DSMT4">
+                <p:oleObj spid="_x0000_s1064" name="Equation" r:id="rId3" imgW="1726920" imgH="228600" progId="Equation.DSMT4">
                   <p:embed/>
                 </p:oleObj>
               </mc:Choice>
@@ -10460,7 +10628,7 @@
                     </p:blipFill>
                     <p:spPr bwMode="auto">
                       <a:xfrm>
-                        <a:off x="724762" y="5231108"/>
+                        <a:off x="682306" y="5713711"/>
                         <a:ext cx="3706813" cy="493712"/>
                       </a:xfrm>
                       <a:prstGeom prst="rect">
@@ -10583,6 +10751,49 @@
           </a:p>
         </p:txBody>
       </p:sp>
+      <p:sp>
+        <p:nvSpPr>
+          <p:cNvPr id="4" name="文本框 3"/>
+          <p:cNvSpPr txBox="1"/>
+          <p:nvPr/>
+        </p:nvSpPr>
+        <p:spPr>
+          <a:xfrm>
+            <a:off x="724762" y="4513006"/>
+            <a:ext cx="3060657" cy="923330"/>
+          </a:xfrm>
+          <a:prstGeom prst="rect">
+            <a:avLst/>
+          </a:prstGeom>
+          <a:noFill/>
+        </p:spPr>
+        <p:txBody>
+          <a:bodyPr wrap="square" rtlCol="0">
+            <a:spAutoFit/>
+          </a:bodyPr>
+          <a:lstStyle/>
+          <a:p>
+            <a:r>
+              <a:rPr lang="zh-CN" altLang="en-US" dirty="0" smtClean="0"/>
+              <a:t>度数</a:t>
+            </a:r>
+            <a:endParaRPr lang="en-US" altLang="zh-CN" dirty="0" smtClean="0"/>
+          </a:p>
+          <a:p>
+            <a:r>
+              <a:rPr lang="en-US" altLang="zh-CN" dirty="0" smtClean="0"/>
+              <a:t>Id</a:t>
+            </a:r>
+          </a:p>
+          <a:p>
+            <a:r>
+              <a:rPr lang="en-US" altLang="zh-CN" dirty="0" smtClean="0"/>
+              <a:t>…</a:t>
+            </a:r>
+            <a:endParaRPr lang="zh-CN" altLang="en-US" dirty="0"/>
+          </a:p>
+        </p:txBody>
+      </p:sp>
     </p:spTree>
     <p:extLst>
       <p:ext uri="{BB962C8B-B14F-4D97-AF65-F5344CB8AC3E}">
@@ -12048,7 +12259,7 @@
                             </p:stCondLst>
                             <p:childTnLst>
                               <p:par>
-                                <p:cTn id="102" presetID="14" presetClass="entr" presetSubtype="10" fill="hold" nodeType="clickEffect">
+                                <p:cTn id="102" presetID="1" presetClass="entr" presetSubtype="0" fill="hold" grpId="0" nodeType="clickEffect">
                                   <p:stCondLst>
                                     <p:cond delay="0"/>
                                   </p:stCondLst>
@@ -12061,7 +12272,7 @@
                                           </p:stCondLst>
                                         </p:cTn>
                                         <p:tgtEl>
-                                          <p:spTgt spid="55"/>
+                                          <p:spTgt spid="4"/>
                                         </p:tgtEl>
                                         <p:attrNameLst>
                                           <p:attrName>style.visibility</p:attrName>
@@ -12071,14 +12282,6 @@
                                         <p:strVal val="visible"/>
                                       </p:to>
                                     </p:set>
-                                    <p:animEffect transition="in" filter="randombar(horizontal)">
-                                      <p:cBhvr>
-                                        <p:cTn id="104" dur="500"/>
-                                        <p:tgtEl>
-                                          <p:spTgt spid="55"/>
-                                        </p:tgtEl>
-                                      </p:cBhvr>
-                                    </p:animEffect>
                                   </p:childTnLst>
                                 </p:cTn>
                               </p:par>
@@ -12089,32 +12292,32 @@
                     </p:cTn>
                   </p:par>
                   <p:par>
-                    <p:cTn id="105" fill="hold">
+                    <p:cTn id="104" fill="hold">
                       <p:stCondLst>
                         <p:cond delay="indefinite"/>
                       </p:stCondLst>
                       <p:childTnLst>
                         <p:par>
-                          <p:cTn id="106" fill="hold">
+                          <p:cTn id="105" fill="hold">
                             <p:stCondLst>
                               <p:cond delay="0"/>
                             </p:stCondLst>
                             <p:childTnLst>
                               <p:par>
-                                <p:cTn id="107" presetID="1" presetClass="entr" presetSubtype="0" fill="hold" grpId="0" nodeType="clickEffect">
+                                <p:cTn id="106" presetID="14" presetClass="entr" presetSubtype="10" fill="hold" nodeType="clickEffect">
                                   <p:stCondLst>
                                     <p:cond delay="0"/>
                                   </p:stCondLst>
                                   <p:childTnLst>
                                     <p:set>
                                       <p:cBhvr>
-                                        <p:cTn id="108" dur="1" fill="hold">
+                                        <p:cTn id="107" dur="1" fill="hold">
                                           <p:stCondLst>
                                             <p:cond delay="0"/>
                                           </p:stCondLst>
                                         </p:cTn>
                                         <p:tgtEl>
-                                          <p:spTgt spid="40"/>
+                                          <p:spTgt spid="55"/>
                                         </p:tgtEl>
                                         <p:attrNameLst>
                                           <p:attrName>style.visibility</p:attrName>
@@ -12124,6 +12327,14 @@
                                         <p:strVal val="visible"/>
                                       </p:to>
                                     </p:set>
+                                    <p:animEffect transition="in" filter="randombar(horizontal)">
+                                      <p:cBhvr>
+                                        <p:cTn id="108" dur="500"/>
+                                        <p:tgtEl>
+                                          <p:spTgt spid="55"/>
+                                        </p:tgtEl>
+                                      </p:cBhvr>
+                                    </p:animEffect>
                                   </p:childTnLst>
                                 </p:cTn>
                               </p:par>
@@ -12146,7 +12357,7 @@
                             </p:stCondLst>
                             <p:childTnLst>
                               <p:par>
-                                <p:cTn id="111" presetID="6" presetClass="entr" presetSubtype="16" fill="hold" grpId="0" nodeType="clickEffect">
+                                <p:cTn id="111" presetID="1" presetClass="entr" presetSubtype="0" fill="hold" grpId="0" nodeType="clickEffect">
                                   <p:stCondLst>
                                     <p:cond delay="0"/>
                                   </p:stCondLst>
@@ -12159,6 +12370,51 @@
                                           </p:stCondLst>
                                         </p:cTn>
                                         <p:tgtEl>
+                                          <p:spTgt spid="40"/>
+                                        </p:tgtEl>
+                                        <p:attrNameLst>
+                                          <p:attrName>style.visibility</p:attrName>
+                                        </p:attrNameLst>
+                                      </p:cBhvr>
+                                      <p:to>
+                                        <p:strVal val="visible"/>
+                                      </p:to>
+                                    </p:set>
+                                  </p:childTnLst>
+                                </p:cTn>
+                              </p:par>
+                            </p:childTnLst>
+                          </p:cTn>
+                        </p:par>
+                      </p:childTnLst>
+                    </p:cTn>
+                  </p:par>
+                  <p:par>
+                    <p:cTn id="113" fill="hold">
+                      <p:stCondLst>
+                        <p:cond delay="indefinite"/>
+                      </p:stCondLst>
+                      <p:childTnLst>
+                        <p:par>
+                          <p:cTn id="114" fill="hold">
+                            <p:stCondLst>
+                              <p:cond delay="0"/>
+                            </p:stCondLst>
+                            <p:childTnLst>
+                              <p:par>
+                                <p:cTn id="115" presetID="6" presetClass="entr" presetSubtype="16" fill="hold" grpId="0" nodeType="clickEffect">
+                                  <p:stCondLst>
+                                    <p:cond delay="0"/>
+                                  </p:stCondLst>
+                                  <p:childTnLst>
+                                    <p:set>
+                                      <p:cBhvr>
+                                        <p:cTn id="116" dur="1" fill="hold">
+                                          <p:stCondLst>
+                                            <p:cond delay="0"/>
+                                          </p:stCondLst>
+                                        </p:cTn>
+                                        <p:tgtEl>
                                           <p:spTgt spid="56"/>
                                         </p:tgtEl>
                                         <p:attrNameLst>
@@ -12171,7 +12427,7 @@
                                     </p:set>
                                     <p:animEffect transition="in" filter="circle(in)">
                                       <p:cBhvr>
-                                        <p:cTn id="113" dur="2000"/>
+                                        <p:cTn id="117" dur="2000"/>
                                         <p:tgtEl>
                                           <p:spTgt spid="56"/>
                                         </p:tgtEl>
@@ -12214,6 +12470,7 @@
       </p:bldGraphic>
       <p:bldP spid="3" grpId="0"/>
       <p:bldP spid="40" grpId="0"/>
+      <p:bldP spid="4" grpId="0"/>
     </p:bldLst>
   </p:timing>
 </p:sld>
@@ -14650,11 +14907,7 @@
             </a:r>
             <a:r>
               <a:rPr lang="zh-CN" altLang="en-US" dirty="0" smtClean="0"/>
-              <a:t>算法适用于什么特征的数据集</a:t>
-            </a:r>
-            <a:r>
-              <a:rPr lang="zh-CN" altLang="en-US" dirty="0" smtClean="0"/>
-              <a:t>？</a:t>
+              <a:t>算法适用于什么特征的数据集？</a:t>
             </a:r>
             <a:endParaRPr lang="en-US" altLang="zh-CN" dirty="0" smtClean="0"/>
           </a:p>
@@ -14737,11 +14990,7 @@
             </a:pPr>
             <a:r>
               <a:rPr lang="en-US" altLang="zh-CN" dirty="0"/>
-              <a:t>	</a:t>
-            </a:r>
-            <a:r>
-              <a:rPr lang="en-US" altLang="zh-CN" dirty="0"/>
-              <a:t> </a:t>
+              <a:t>	 </a:t>
             </a:r>
             <a:r>
               <a:rPr lang="en-US" altLang="zh-CN" sz="1400" dirty="0"/>
@@ -14749,7 +14998,15 @@
             </a:r>
             <a:r>
               <a:rPr lang="zh-CN" altLang="en-US" sz="1400" dirty="0"/>
-              <a:t>的完全图和近似完全图算法无法通过对数据的统计分析等预估算法的执行效率，暂未能够实现参数的自动调整。另外，</a:t>
+              <a:t>的完全图和近似</a:t>
+            </a:r>
+            <a:r>
+              <a:rPr lang="zh-CN" altLang="en-US" sz="1400" dirty="0" smtClean="0"/>
+              <a:t>完全图问题无法</a:t>
+            </a:r>
+            <a:r>
+              <a:rPr lang="zh-CN" altLang="en-US" sz="1400" dirty="0"/>
+              <a:t>通过对数据的统计分析等预估算法的执行效率，暂未能够实现参数的自动调整。另外，</a:t>
             </a:r>
             <a:r>
               <a:rPr lang="en-US" altLang="zh-CN" sz="1400" dirty="0"/>
@@ -14776,11 +15033,7 @@
           <a:p>
             <a:r>
               <a:rPr lang="zh-CN" altLang="en-US" dirty="0" smtClean="0"/>
-              <a:t>其他表述及格式相关</a:t>
-            </a:r>
-            <a:r>
-              <a:rPr lang="zh-CN" altLang="en-US" dirty="0" smtClean="0"/>
-              <a:t>问题</a:t>
+              <a:t>其他表述及格式相关问题</a:t>
             </a:r>
             <a:endParaRPr lang="en-US" altLang="zh-CN" dirty="0" smtClean="0"/>
           </a:p>
@@ -15655,7 +15908,7 @@
           </p:nvPr>
         </p:nvPicPr>
         <p:blipFill>
-          <a:blip r:embed="rId2">
+          <a:blip r:embed="rId3">
             <a:extLst>
               <a:ext uri="{28A0092B-C50C-407E-A947-70E740481C1C}">
                 <a14:useLocalDpi xmlns:a14="http://schemas.microsoft.com/office/drawing/2010/main" val="0"/>
@@ -15709,7 +15962,7 @@
           <p:nvPr/>
         </p:nvPicPr>
         <p:blipFill>
-          <a:blip r:embed="rId3">
+          <a:blip r:embed="rId4">
             <a:extLst>
               <a:ext uri="{28A0092B-C50C-407E-A947-70E740481C1C}">
                 <a14:useLocalDpi xmlns:a14="http://schemas.microsoft.com/office/drawing/2010/main" val="0"/>
@@ -15762,8 +16015,8 @@
         </p:nvGrpSpPr>
         <p:grpSpPr>
           <a:xfrm>
-            <a:off x="4324894" y="411098"/>
-            <a:ext cx="1715588" cy="881408"/>
+            <a:off x="4196615" y="411098"/>
+            <a:ext cx="1973179" cy="881408"/>
             <a:chOff x="4153988" y="2728868"/>
             <a:chExt cx="2246812" cy="1113619"/>
           </a:xfrm>
@@ -15908,8 +16161,8 @@
         </p:nvGrpSpPr>
         <p:grpSpPr>
           <a:xfrm>
-            <a:off x="1014384" y="1649305"/>
-            <a:ext cx="1058091" cy="829639"/>
+            <a:off x="1091963" y="1754345"/>
+            <a:ext cx="1276705" cy="829639"/>
             <a:chOff x="4153988" y="2728868"/>
             <a:chExt cx="2246812" cy="1113619"/>
           </a:xfrm>
@@ -16790,7 +17043,7 @@
         <p:grpSpPr>
           <a:xfrm>
             <a:off x="2212732" y="3149454"/>
-            <a:ext cx="497594" cy="1027777"/>
+            <a:ext cx="675084" cy="1027777"/>
             <a:chOff x="4153988" y="2728868"/>
             <a:chExt cx="2246812" cy="1240039"/>
           </a:xfrm>
@@ -17083,8 +17336,8 @@
         </p:nvGrpSpPr>
         <p:grpSpPr>
           <a:xfrm>
-            <a:off x="303585" y="5752399"/>
-            <a:ext cx="829493" cy="956630"/>
+            <a:off x="173255" y="5752399"/>
+            <a:ext cx="959823" cy="956630"/>
             <a:chOff x="4153988" y="2728868"/>
             <a:chExt cx="2246812" cy="1113619"/>
           </a:xfrm>
@@ -18115,8 +18368,8 @@
         </p:nvCxnSpPr>
         <p:spPr>
           <a:xfrm rot="5400000">
-            <a:off x="3184660" y="-348724"/>
-            <a:ext cx="356799" cy="3639258"/>
+            <a:off x="3225842" y="-203019"/>
+            <a:ext cx="461839" cy="3452889"/>
           </a:xfrm>
           <a:prstGeom prst="curvedConnector3">
             <a:avLst/>
@@ -18151,8 +18404,8 @@
         </p:nvCxnSpPr>
         <p:spPr>
           <a:xfrm rot="5400000">
-            <a:off x="4373177" y="949821"/>
-            <a:ext cx="466827" cy="1152196"/>
+            <a:off x="4373436" y="949563"/>
+            <a:ext cx="466827" cy="1152713"/>
           </a:xfrm>
           <a:prstGeom prst="curvedConnector3">
             <a:avLst/>
@@ -18187,8 +18440,8 @@
         </p:nvCxnSpPr>
         <p:spPr>
           <a:xfrm rot="16200000" flipH="1">
-            <a:off x="5258223" y="1216970"/>
-            <a:ext cx="438148" cy="589219"/>
+            <a:off x="5258482" y="1217229"/>
+            <a:ext cx="438148" cy="588702"/>
           </a:xfrm>
           <a:prstGeom prst="curvedConnector3">
             <a:avLst/>
@@ -18223,8 +18476,8 @@
         </p:nvCxnSpPr>
         <p:spPr>
           <a:xfrm rot="16200000" flipH="1">
-            <a:off x="6263773" y="211421"/>
-            <a:ext cx="421831" cy="2584000"/>
+            <a:off x="6264031" y="211679"/>
+            <a:ext cx="421831" cy="2583483"/>
           </a:xfrm>
           <a:prstGeom prst="curvedConnector3">
             <a:avLst/>
@@ -18259,8 +18512,8 @@
         </p:nvCxnSpPr>
         <p:spPr>
           <a:xfrm rot="5400000">
-            <a:off x="792158" y="2398182"/>
-            <a:ext cx="670510" cy="832035"/>
+            <a:off x="938121" y="2357259"/>
+            <a:ext cx="565470" cy="1018921"/>
           </a:xfrm>
           <a:prstGeom prst="curvedConnector3">
             <a:avLst/>
@@ -18294,9 +18547,9 @@
           <p:nvPr/>
         </p:nvCxnSpPr>
         <p:spPr>
-          <a:xfrm rot="16200000" flipH="1">
-            <a:off x="1223510" y="2798863"/>
-            <a:ext cx="663297" cy="23457"/>
+          <a:xfrm rot="5400000">
+            <a:off x="1369474" y="2781398"/>
+            <a:ext cx="558257" cy="163429"/>
           </a:xfrm>
           <a:prstGeom prst="curvedConnector3">
             <a:avLst/>
@@ -18331,8 +18584,8 @@
         </p:nvCxnSpPr>
         <p:spPr>
           <a:xfrm rot="16200000" flipH="1">
-            <a:off x="1667224" y="2355149"/>
-            <a:ext cx="670510" cy="918099"/>
+            <a:off x="1857560" y="2456740"/>
+            <a:ext cx="565470" cy="819958"/>
           </a:xfrm>
           <a:prstGeom prst="curvedConnector3">
             <a:avLst/>
@@ -18403,8 +18656,8 @@
         </p:nvCxnSpPr>
         <p:spPr>
           <a:xfrm rot="5400000">
-            <a:off x="575489" y="5602618"/>
-            <a:ext cx="292625" cy="6937"/>
+            <a:off x="542906" y="5570035"/>
+            <a:ext cx="292625" cy="72102"/>
           </a:xfrm>
           <a:prstGeom prst="curvedConnector3">
             <a:avLst/>
@@ -18652,8 +18905,8 @@
         </p:nvGrpSpPr>
         <p:grpSpPr>
           <a:xfrm>
-            <a:off x="2205185" y="3153102"/>
-            <a:ext cx="497594" cy="1027777"/>
+            <a:off x="2215222" y="3142241"/>
+            <a:ext cx="683215" cy="1027777"/>
             <a:chOff x="4153988" y="2728868"/>
             <a:chExt cx="2246812" cy="1240039"/>
           </a:xfrm>
@@ -24870,7 +25123,7 @@
           <p:spPr>
             <a:xfrm>
               <a:off x="4153988" y="3098200"/>
-              <a:ext cx="2246812" cy="427748"/>
+              <a:ext cx="2246812" cy="469391"/>
             </a:xfrm>
             <a:prstGeom prst="rect">
               <a:avLst/>
@@ -24897,10 +25150,10 @@
             <a:lstStyle/>
             <a:p>
               <a:r>
-                <a:rPr lang="en-US" altLang="zh-CN" sz="1600" dirty="0" smtClean="0"/>
+                <a:rPr lang="en-US" altLang="zh-CN" sz="1400" dirty="0" smtClean="0"/>
                 <a:t>1,2,3,4,5,6,7,8,9</a:t>
               </a:r>
-              <a:endParaRPr lang="zh-CN" altLang="en-US" sz="1600" dirty="0"/>
+              <a:endParaRPr lang="zh-CN" altLang="en-US" sz="1400" dirty="0"/>
             </a:p>
           </p:txBody>
         </p:sp>
@@ -26452,8 +26705,8 @@
         </p:nvCxnSpPr>
         <p:spPr>
           <a:xfrm>
-            <a:off x="1890944" y="1743019"/>
-            <a:ext cx="1245821" cy="225736"/>
+            <a:off x="1890944" y="1756672"/>
+            <a:ext cx="1245821" cy="212083"/>
           </a:xfrm>
           <a:prstGeom prst="curvedConnector3">
             <a:avLst/>
@@ -28955,7 +29208,7 @@
                                     <p:cond delay="0"/>
                                   </p:stCondLst>
                                   <p:childTnLst>
-                                    <p:animMotion origin="layout" path="M -2.70833E-6 0.00301 L 0.27578 0.00301 C 0.39922 0.00301 0.5517 -0.00024 0.5517 -0.00209 L 0.5517 -0.00672 " pathEditMode="relative" rAng="0" ptsTypes="AAAA">
+                                    <p:animMotion origin="layout" path="M -2.70833E-6 0.00301 L 0.27578 0.00301 C 0.39922 0.00301 0.55157 -0.00024 0.55157 -0.00209 L 0.55157 -0.00672 " pathEditMode="relative" rAng="0" ptsTypes="AAAA">
                                       <p:cBhvr>
                                         <p:cTn id="120" dur="2000" fill="hold"/>
                                         <p:tgtEl>
@@ -30675,6 +30928,347 @@
           </a:prstGeom>
         </p:spPr>
       </p:pic>
+      <p:sp>
+        <p:nvSpPr>
+          <p:cNvPr id="4" name="流程图: 联系 3"/>
+          <p:cNvSpPr/>
+          <p:nvPr/>
+        </p:nvSpPr>
+        <p:spPr>
+          <a:xfrm>
+            <a:off x="3262964" y="1930400"/>
+            <a:ext cx="250257" cy="230189"/>
+          </a:xfrm>
+          <a:prstGeom prst="flowChartConnector">
+            <a:avLst/>
+          </a:prstGeom>
+        </p:spPr>
+        <p:style>
+          <a:lnRef idx="2">
+            <a:schemeClr val="accent1">
+              <a:shade val="50000"/>
+            </a:schemeClr>
+          </a:lnRef>
+          <a:fillRef idx="1">
+            <a:schemeClr val="accent1"/>
+          </a:fillRef>
+          <a:effectRef idx="0">
+            <a:schemeClr val="accent1"/>
+          </a:effectRef>
+          <a:fontRef idx="minor">
+            <a:schemeClr val="lt1"/>
+          </a:fontRef>
+        </p:style>
+        <p:txBody>
+          <a:bodyPr rtlCol="0" anchor="ctr"/>
+          <a:lstStyle/>
+          <a:p>
+            <a:pPr algn="ctr"/>
+            <a:r>
+              <a:rPr lang="en-US" altLang="zh-CN" dirty="0" smtClean="0"/>
+              <a:t>4</a:t>
+            </a:r>
+            <a:endParaRPr lang="zh-CN" altLang="en-US" dirty="0"/>
+          </a:p>
+        </p:txBody>
+      </p:sp>
+      <p:sp>
+        <p:nvSpPr>
+          <p:cNvPr id="6" name="流程图: 联系 5"/>
+          <p:cNvSpPr/>
+          <p:nvPr/>
+        </p:nvSpPr>
+        <p:spPr>
+          <a:xfrm>
+            <a:off x="4725411" y="1930399"/>
+            <a:ext cx="250257" cy="230189"/>
+          </a:xfrm>
+          <a:prstGeom prst="flowChartConnector">
+            <a:avLst/>
+          </a:prstGeom>
+        </p:spPr>
+        <p:style>
+          <a:lnRef idx="2">
+            <a:schemeClr val="dk1"/>
+          </a:lnRef>
+          <a:fillRef idx="1">
+            <a:schemeClr val="lt1"/>
+          </a:fillRef>
+          <a:effectRef idx="0">
+            <a:schemeClr val="dk1"/>
+          </a:effectRef>
+          <a:fontRef idx="minor">
+            <a:schemeClr val="dk1"/>
+          </a:fontRef>
+        </p:style>
+        <p:txBody>
+          <a:bodyPr rtlCol="0" anchor="ctr"/>
+          <a:lstStyle/>
+          <a:p>
+            <a:pPr algn="ctr"/>
+            <a:r>
+              <a:rPr lang="en-US" altLang="zh-CN" dirty="0"/>
+              <a:t>5</a:t>
+            </a:r>
+            <a:endParaRPr lang="zh-CN" altLang="en-US" dirty="0"/>
+          </a:p>
+        </p:txBody>
+      </p:sp>
+      <p:cxnSp>
+        <p:nvCxnSpPr>
+          <p:cNvPr id="8" name="直接连接符 7"/>
+          <p:cNvCxnSpPr>
+            <a:stCxn id="4" idx="6"/>
+            <a:endCxn id="6" idx="2"/>
+          </p:cNvCxnSpPr>
+          <p:nvPr/>
+        </p:nvCxnSpPr>
+        <p:spPr>
+          <a:xfrm flipV="1">
+            <a:off x="3513221" y="2045494"/>
+            <a:ext cx="1212190" cy="1"/>
+          </a:xfrm>
+          <a:prstGeom prst="line">
+            <a:avLst/>
+          </a:prstGeom>
+        </p:spPr>
+        <p:style>
+          <a:lnRef idx="1">
+            <a:schemeClr val="accent1"/>
+          </a:lnRef>
+          <a:fillRef idx="0">
+            <a:schemeClr val="accent1"/>
+          </a:fillRef>
+          <a:effectRef idx="0">
+            <a:schemeClr val="accent1"/>
+          </a:effectRef>
+          <a:fontRef idx="minor">
+            <a:schemeClr val="tx1"/>
+          </a:fontRef>
+        </p:style>
+      </p:cxnSp>
+      <p:cxnSp>
+        <p:nvCxnSpPr>
+          <p:cNvPr id="10" name="直接连接符 9"/>
+          <p:cNvCxnSpPr>
+            <a:stCxn id="2" idx="2"/>
+          </p:cNvCxnSpPr>
+          <p:nvPr/>
+        </p:nvCxnSpPr>
+        <p:spPr>
+          <a:xfrm flipV="1">
+            <a:off x="4975668" y="1549667"/>
+            <a:ext cx="590197" cy="380733"/>
+          </a:xfrm>
+          <a:prstGeom prst="line">
+            <a:avLst/>
+          </a:prstGeom>
+        </p:spPr>
+        <p:style>
+          <a:lnRef idx="1">
+            <a:schemeClr val="accent1"/>
+          </a:lnRef>
+          <a:fillRef idx="0">
+            <a:schemeClr val="accent1"/>
+          </a:fillRef>
+          <a:effectRef idx="0">
+            <a:schemeClr val="accent1"/>
+          </a:effectRef>
+          <a:fontRef idx="minor">
+            <a:schemeClr val="tx1"/>
+          </a:fontRef>
+        </p:style>
+      </p:cxnSp>
+      <p:cxnSp>
+        <p:nvCxnSpPr>
+          <p:cNvPr id="12" name="直接连接符 11"/>
+          <p:cNvCxnSpPr>
+            <a:stCxn id="6" idx="6"/>
+          </p:cNvCxnSpPr>
+          <p:nvPr/>
+        </p:nvCxnSpPr>
+        <p:spPr>
+          <a:xfrm flipV="1">
+            <a:off x="4975668" y="2045493"/>
+            <a:ext cx="722488" cy="1"/>
+          </a:xfrm>
+          <a:prstGeom prst="line">
+            <a:avLst/>
+          </a:prstGeom>
+        </p:spPr>
+        <p:style>
+          <a:lnRef idx="1">
+            <a:schemeClr val="accent1"/>
+          </a:lnRef>
+          <a:fillRef idx="0">
+            <a:schemeClr val="accent1"/>
+          </a:fillRef>
+          <a:effectRef idx="0">
+            <a:schemeClr val="accent1"/>
+          </a:effectRef>
+          <a:fontRef idx="minor">
+            <a:schemeClr val="tx1"/>
+          </a:fontRef>
+        </p:style>
+      </p:cxnSp>
+      <p:cxnSp>
+        <p:nvCxnSpPr>
+          <p:cNvPr id="14" name="直接连接符 13"/>
+          <p:cNvCxnSpPr>
+            <a:stCxn id="3" idx="0"/>
+          </p:cNvCxnSpPr>
+          <p:nvPr/>
+        </p:nvCxnSpPr>
+        <p:spPr>
+          <a:xfrm>
+            <a:off x="4975668" y="2160589"/>
+            <a:ext cx="693612" cy="288899"/>
+          </a:xfrm>
+          <a:prstGeom prst="line">
+            <a:avLst/>
+          </a:prstGeom>
+        </p:spPr>
+        <p:style>
+          <a:lnRef idx="1">
+            <a:schemeClr val="accent1"/>
+          </a:lnRef>
+          <a:fillRef idx="0">
+            <a:schemeClr val="accent1"/>
+          </a:fillRef>
+          <a:effectRef idx="0">
+            <a:schemeClr val="accent1"/>
+          </a:effectRef>
+          <a:fontRef idx="minor">
+            <a:schemeClr val="tx1"/>
+          </a:fontRef>
+        </p:style>
+      </p:cxnSp>
+      <p:sp>
+        <p:nvSpPr>
+          <p:cNvPr id="15" name="流程图: 联系 14"/>
+          <p:cNvSpPr/>
+          <p:nvPr/>
+        </p:nvSpPr>
+        <p:spPr>
+          <a:xfrm>
+            <a:off x="5704408" y="2374638"/>
+            <a:ext cx="250257" cy="230189"/>
+          </a:xfrm>
+          <a:prstGeom prst="flowChartConnector">
+            <a:avLst/>
+          </a:prstGeom>
+        </p:spPr>
+        <p:style>
+          <a:lnRef idx="2">
+            <a:schemeClr val="dk1"/>
+          </a:lnRef>
+          <a:fillRef idx="1">
+            <a:schemeClr val="lt1"/>
+          </a:fillRef>
+          <a:effectRef idx="0">
+            <a:schemeClr val="dk1"/>
+          </a:effectRef>
+          <a:fontRef idx="minor">
+            <a:schemeClr val="dk1"/>
+          </a:fontRef>
+        </p:style>
+        <p:txBody>
+          <a:bodyPr rtlCol="0" anchor="ctr"/>
+          <a:lstStyle/>
+          <a:p>
+            <a:pPr algn="ctr"/>
+            <a:r>
+              <a:rPr lang="en-US" altLang="zh-CN" dirty="0" smtClean="0"/>
+              <a:t>8</a:t>
+            </a:r>
+            <a:endParaRPr lang="zh-CN" altLang="en-US" dirty="0"/>
+          </a:p>
+        </p:txBody>
+      </p:sp>
+      <p:sp>
+        <p:nvSpPr>
+          <p:cNvPr id="16" name="流程图: 联系 15"/>
+          <p:cNvSpPr/>
+          <p:nvPr/>
+        </p:nvSpPr>
+        <p:spPr>
+          <a:xfrm>
+            <a:off x="5703903" y="1930398"/>
+            <a:ext cx="250257" cy="230189"/>
+          </a:xfrm>
+          <a:prstGeom prst="flowChartConnector">
+            <a:avLst/>
+          </a:prstGeom>
+        </p:spPr>
+        <p:style>
+          <a:lnRef idx="2">
+            <a:schemeClr val="dk1"/>
+          </a:lnRef>
+          <a:fillRef idx="1">
+            <a:schemeClr val="lt1"/>
+          </a:fillRef>
+          <a:effectRef idx="0">
+            <a:schemeClr val="dk1"/>
+          </a:effectRef>
+          <a:fontRef idx="minor">
+            <a:schemeClr val="dk1"/>
+          </a:fontRef>
+        </p:style>
+        <p:txBody>
+          <a:bodyPr rtlCol="0" anchor="ctr"/>
+          <a:lstStyle/>
+          <a:p>
+            <a:pPr algn="ctr"/>
+            <a:r>
+              <a:rPr lang="en-US" altLang="zh-CN" dirty="0" smtClean="0"/>
+              <a:t>7</a:t>
+            </a:r>
+            <a:endParaRPr lang="zh-CN" altLang="en-US" dirty="0"/>
+          </a:p>
+        </p:txBody>
+      </p:sp>
+      <p:sp>
+        <p:nvSpPr>
+          <p:cNvPr id="17" name="流程图: 联系 16"/>
+          <p:cNvSpPr/>
+          <p:nvPr/>
+        </p:nvSpPr>
+        <p:spPr>
+          <a:xfrm>
+            <a:off x="5573027" y="1434572"/>
+            <a:ext cx="250257" cy="230189"/>
+          </a:xfrm>
+          <a:prstGeom prst="flowChartConnector">
+            <a:avLst/>
+          </a:prstGeom>
+        </p:spPr>
+        <p:style>
+          <a:lnRef idx="2">
+            <a:schemeClr val="dk1"/>
+          </a:lnRef>
+          <a:fillRef idx="1">
+            <a:schemeClr val="lt1"/>
+          </a:fillRef>
+          <a:effectRef idx="0">
+            <a:schemeClr val="dk1"/>
+          </a:effectRef>
+          <a:fontRef idx="minor">
+            <a:schemeClr val="dk1"/>
+          </a:fontRef>
+        </p:style>
+        <p:txBody>
+          <a:bodyPr rtlCol="0" anchor="ctr"/>
+          <a:lstStyle/>
+          <a:p>
+            <a:pPr algn="ctr"/>
+            <a:r>
+              <a:rPr lang="en-US" altLang="zh-CN" dirty="0" smtClean="0"/>
+              <a:t>6</a:t>
+            </a:r>
+            <a:endParaRPr lang="zh-CN" altLang="en-US" dirty="0"/>
+          </a:p>
+        </p:txBody>
+      </p:sp>
     </p:spTree>
     <p:extLst>
       <p:ext uri="{BB962C8B-B14F-4D97-AF65-F5344CB8AC3E}">
@@ -30809,8 +31403,8 @@
           </p:nvSpPr>
           <p:spPr>
             <a:xfrm>
-              <a:off x="5423023" y="3467471"/>
-              <a:ext cx="1765427" cy="733330"/>
+              <a:off x="5387396" y="3367890"/>
+              <a:ext cx="1858232" cy="924530"/>
             </a:xfrm>
             <a:prstGeom prst="flowChartDecision">
               <a:avLst/>
@@ -31027,7 +31621,11 @@
               <a:pPr algn="ctr"/>
               <a:r>
                 <a:rPr lang="zh-CN" altLang="en-US" sz="1600" dirty="0" smtClean="0"/>
-                <a:t>切分完</a:t>
+                <a:t>切分</a:t>
+              </a:r>
+              <a:r>
+                <a:rPr lang="zh-CN" altLang="en-US" sz="1600" dirty="0" smtClean="0"/>
+                <a:t>完？</a:t>
               </a:r>
               <a:endParaRPr lang="zh-CN" altLang="en-US" sz="1600" dirty="0"/>
             </a:p>
@@ -31153,7 +31751,7 @@
           <p:spPr>
             <a:xfrm>
               <a:off x="6305734" y="3051017"/>
-              <a:ext cx="3" cy="416454"/>
+              <a:ext cx="10778" cy="316873"/>
             </a:xfrm>
             <a:prstGeom prst="straightConnector1">
               <a:avLst/>
@@ -31187,9 +31785,9 @@
             <p:nvPr/>
           </p:nvCxnSpPr>
           <p:spPr>
-            <a:xfrm>
-              <a:off x="6305737" y="4200801"/>
-              <a:ext cx="9052" cy="516054"/>
+            <a:xfrm flipH="1">
+              <a:off x="6314789" y="4292420"/>
+              <a:ext cx="1723" cy="424435"/>
             </a:xfrm>
             <a:prstGeom prst="straightConnector1">
               <a:avLst/>
@@ -31260,8 +31858,8 @@
           </p:nvCxnSpPr>
           <p:spPr>
             <a:xfrm>
-              <a:off x="7188450" y="3834136"/>
-              <a:ext cx="787652" cy="2"/>
+              <a:off x="7245628" y="3830155"/>
+              <a:ext cx="730474" cy="3983"/>
             </a:xfrm>
             <a:prstGeom prst="straightConnector1">
               <a:avLst/>
@@ -31546,6 +32144,53 @@
               <a:t>0.6</a:t>
             </a:r>
             <a:endParaRPr lang="zh-CN" altLang="en-US" dirty="0"/>
+          </a:p>
+        </p:txBody>
+      </p:sp>
+      <p:sp>
+        <p:nvSpPr>
+          <p:cNvPr id="5" name="矩形 4"/>
+          <p:cNvSpPr/>
+          <p:nvPr/>
+        </p:nvSpPr>
+        <p:spPr>
+          <a:xfrm>
+            <a:off x="100244" y="1820817"/>
+            <a:ext cx="4304614" cy="923330"/>
+          </a:xfrm>
+          <a:prstGeom prst="rect">
+            <a:avLst/>
+          </a:prstGeom>
+        </p:spPr>
+        <p:txBody>
+          <a:bodyPr wrap="square">
+            <a:spAutoFit/>
+          </a:bodyPr>
+          <a:lstStyle/>
+          <a:p>
+            <a:r>
+              <a:rPr lang="en-US" altLang="zh-CN" dirty="0" smtClean="0"/>
+              <a:t>Binary</a:t>
+            </a:r>
+            <a:r>
+              <a:rPr lang="zh-CN" altLang="en-US" dirty="0" smtClean="0"/>
+              <a:t>依次分割，去边角，搜索空间小</a:t>
+            </a:r>
+            <a:endParaRPr lang="en-US" altLang="zh-CN" dirty="0" smtClean="0"/>
+          </a:p>
+          <a:p>
+            <a:endParaRPr lang="en-US" altLang="zh-CN" dirty="0"/>
+          </a:p>
+          <a:p>
+            <a:r>
+              <a:rPr lang="en-US" altLang="zh-CN" dirty="0" smtClean="0"/>
+              <a:t>BK</a:t>
+            </a:r>
+            <a:r>
+              <a:rPr lang="zh-CN" altLang="en-US" dirty="0" smtClean="0"/>
+              <a:t>高连接度点快速切割</a:t>
+            </a:r>
+            <a:endParaRPr lang="en-US" altLang="zh-CN" dirty="0"/>
           </a:p>
         </p:txBody>
       </p:sp>
